--- a/Movie/(210715)MovieData(이천솔).pptx
+++ b/Movie/(210715)MovieData(이천솔).pptx
@@ -254,7 +254,7 @@
           <a:p>
             <a:fld id="{E1A6B4F0-AEE2-4951-90CC-0A384C121DBD}" type="datetimeFigureOut">
               <a:rPr lang="ko-KR" altLang="en-US" smtClean="0"/>
-              <a:t>2021-07-15</a:t>
+              <a:t>2021-07-20</a:t>
             </a:fld>
             <a:endParaRPr lang="ko-KR" altLang="en-US"/>
           </a:p>
@@ -1724,7 +1724,7 @@
           <a:p>
             <a:fld id="{EBBBFF2D-8249-458D-9364-073002D4312C}" type="datetimeFigureOut">
               <a:rPr lang="ko-KR" altLang="en-US" smtClean="0"/>
-              <a:t>2021-07-15</a:t>
+              <a:t>2021-07-20</a:t>
             </a:fld>
             <a:endParaRPr lang="ko-KR" altLang="en-US"/>
           </a:p>
@@ -1869,7 +1869,7 @@
           <a:p>
             <a:fld id="{EBBBFF2D-8249-458D-9364-073002D4312C}" type="datetimeFigureOut">
               <a:rPr lang="ko-KR" altLang="en-US" smtClean="0"/>
-              <a:t>2021-07-15</a:t>
+              <a:t>2021-07-20</a:t>
             </a:fld>
             <a:endParaRPr lang="ko-KR" altLang="en-US"/>
           </a:p>
@@ -2024,7 +2024,7 @@
           <a:p>
             <a:fld id="{EBBBFF2D-8249-458D-9364-073002D4312C}" type="datetimeFigureOut">
               <a:rPr lang="ko-KR" altLang="en-US" smtClean="0"/>
-              <a:t>2021-07-15</a:t>
+              <a:t>2021-07-20</a:t>
             </a:fld>
             <a:endParaRPr lang="ko-KR" altLang="en-US"/>
           </a:p>
@@ -2209,7 +2209,7 @@
           <a:p>
             <a:fld id="{7C447AE5-4366-4128-A7A5-38C8B0345485}" type="datetimeFigureOut">
               <a:rPr lang="ko-KR" altLang="en-US" smtClean="0"/>
-              <a:t>2021-07-15</a:t>
+              <a:t>2021-07-20</a:t>
             </a:fld>
             <a:endParaRPr lang="ko-KR" altLang="en-US"/>
           </a:p>
@@ -2407,7 +2407,7 @@
           <a:p>
             <a:fld id="{7C447AE5-4366-4128-A7A5-38C8B0345485}" type="datetimeFigureOut">
               <a:rPr lang="ko-KR" altLang="en-US" smtClean="0"/>
-              <a:t>2021-07-15</a:t>
+              <a:t>2021-07-20</a:t>
             </a:fld>
             <a:endParaRPr lang="ko-KR" altLang="en-US"/>
           </a:p>
@@ -2682,7 +2682,7 @@
           <a:p>
             <a:fld id="{7C447AE5-4366-4128-A7A5-38C8B0345485}" type="datetimeFigureOut">
               <a:rPr lang="ko-KR" altLang="en-US" smtClean="0"/>
-              <a:t>2021-07-15</a:t>
+              <a:t>2021-07-20</a:t>
             </a:fld>
             <a:endParaRPr lang="ko-KR" altLang="en-US"/>
           </a:p>
@@ -2947,7 +2947,7 @@
           <a:p>
             <a:fld id="{7C447AE5-4366-4128-A7A5-38C8B0345485}" type="datetimeFigureOut">
               <a:rPr lang="ko-KR" altLang="en-US" smtClean="0"/>
-              <a:t>2021-07-15</a:t>
+              <a:t>2021-07-20</a:t>
             </a:fld>
             <a:endParaRPr lang="ko-KR" altLang="en-US"/>
           </a:p>
@@ -3359,7 +3359,7 @@
           <a:p>
             <a:fld id="{7C447AE5-4366-4128-A7A5-38C8B0345485}" type="datetimeFigureOut">
               <a:rPr lang="ko-KR" altLang="en-US" smtClean="0"/>
-              <a:t>2021-07-15</a:t>
+              <a:t>2021-07-20</a:t>
             </a:fld>
             <a:endParaRPr lang="ko-KR" altLang="en-US"/>
           </a:p>
@@ -3500,7 +3500,7 @@
           <a:p>
             <a:fld id="{7C447AE5-4366-4128-A7A5-38C8B0345485}" type="datetimeFigureOut">
               <a:rPr lang="ko-KR" altLang="en-US" smtClean="0"/>
-              <a:t>2021-07-15</a:t>
+              <a:t>2021-07-20</a:t>
             </a:fld>
             <a:endParaRPr lang="ko-KR" altLang="en-US"/>
           </a:p>
@@ -3613,7 +3613,7 @@
           <a:p>
             <a:fld id="{7C447AE5-4366-4128-A7A5-38C8B0345485}" type="datetimeFigureOut">
               <a:rPr lang="ko-KR" altLang="en-US" smtClean="0"/>
-              <a:t>2021-07-15</a:t>
+              <a:t>2021-07-20</a:t>
             </a:fld>
             <a:endParaRPr lang="ko-KR" altLang="en-US"/>
           </a:p>
@@ -3924,7 +3924,7 @@
           <a:p>
             <a:fld id="{7C447AE5-4366-4128-A7A5-38C8B0345485}" type="datetimeFigureOut">
               <a:rPr lang="ko-KR" altLang="en-US" smtClean="0"/>
-              <a:t>2021-07-15</a:t>
+              <a:t>2021-07-20</a:t>
             </a:fld>
             <a:endParaRPr lang="ko-KR" altLang="en-US"/>
           </a:p>
@@ -4104,7 +4104,7 @@
           <a:p>
             <a:fld id="{EBBBFF2D-8249-458D-9364-073002D4312C}" type="datetimeFigureOut">
               <a:rPr lang="ko-KR" altLang="en-US" smtClean="0"/>
-              <a:t>2021-07-15</a:t>
+              <a:t>2021-07-20</a:t>
             </a:fld>
             <a:endParaRPr lang="ko-KR" altLang="en-US"/>
           </a:p>
@@ -4357,7 +4357,7 @@
           <a:p>
             <a:fld id="{7C447AE5-4366-4128-A7A5-38C8B0345485}" type="datetimeFigureOut">
               <a:rPr lang="ko-KR" altLang="en-US" smtClean="0"/>
-              <a:t>2021-07-15</a:t>
+              <a:t>2021-07-20</a:t>
             </a:fld>
             <a:endParaRPr lang="ko-KR" altLang="en-US"/>
           </a:p>
@@ -4555,7 +4555,7 @@
           <a:p>
             <a:fld id="{7C447AE5-4366-4128-A7A5-38C8B0345485}" type="datetimeFigureOut">
               <a:rPr lang="ko-KR" altLang="en-US" smtClean="0"/>
-              <a:t>2021-07-15</a:t>
+              <a:t>2021-07-20</a:t>
             </a:fld>
             <a:endParaRPr lang="ko-KR" altLang="en-US"/>
           </a:p>
@@ -4763,7 +4763,7 @@
           <a:p>
             <a:fld id="{7C447AE5-4366-4128-A7A5-38C8B0345485}" type="datetimeFigureOut">
               <a:rPr lang="ko-KR" altLang="en-US" smtClean="0"/>
-              <a:t>2021-07-15</a:t>
+              <a:t>2021-07-20</a:t>
             </a:fld>
             <a:endParaRPr lang="ko-KR" altLang="en-US"/>
           </a:p>
@@ -5020,7 +5020,7 @@
           <a:p>
             <a:fld id="{EBBBFF2D-8249-458D-9364-073002D4312C}" type="datetimeFigureOut">
               <a:rPr lang="ko-KR" altLang="en-US" smtClean="0"/>
-              <a:t>2021-07-15</a:t>
+              <a:t>2021-07-20</a:t>
             </a:fld>
             <a:endParaRPr lang="ko-KR" altLang="en-US"/>
           </a:p>
@@ -5226,7 +5226,7 @@
           <a:p>
             <a:fld id="{EBBBFF2D-8249-458D-9364-073002D4312C}" type="datetimeFigureOut">
               <a:rPr lang="ko-KR" altLang="en-US" smtClean="0"/>
-              <a:t>2021-07-15</a:t>
+              <a:t>2021-07-20</a:t>
             </a:fld>
             <a:endParaRPr lang="ko-KR" altLang="en-US"/>
           </a:p>
@@ -5567,7 +5567,7 @@
           <a:p>
             <a:fld id="{EBBBFF2D-8249-458D-9364-073002D4312C}" type="datetimeFigureOut">
               <a:rPr lang="ko-KR" altLang="en-US" smtClean="0"/>
-              <a:t>2021-07-15</a:t>
+              <a:t>2021-07-20</a:t>
             </a:fld>
             <a:endParaRPr lang="ko-KR" altLang="en-US"/>
           </a:p>
@@ -5661,7 +5661,7 @@
           <a:p>
             <a:fld id="{EBBBFF2D-8249-458D-9364-073002D4312C}" type="datetimeFigureOut">
               <a:rPr lang="ko-KR" altLang="en-US" smtClean="0"/>
-              <a:t>2021-07-15</a:t>
+              <a:t>2021-07-20</a:t>
             </a:fld>
             <a:endParaRPr lang="ko-KR" altLang="en-US"/>
           </a:p>
@@ -5733,7 +5733,7 @@
           <a:p>
             <a:fld id="{EBBBFF2D-8249-458D-9364-073002D4312C}" type="datetimeFigureOut">
               <a:rPr lang="ko-KR" altLang="en-US" smtClean="0"/>
-              <a:t>2021-07-15</a:t>
+              <a:t>2021-07-20</a:t>
             </a:fld>
             <a:endParaRPr lang="ko-KR" altLang="en-US"/>
           </a:p>
@@ -5985,7 +5985,7 @@
           <a:p>
             <a:fld id="{EBBBFF2D-8249-458D-9364-073002D4312C}" type="datetimeFigureOut">
               <a:rPr lang="ko-KR" altLang="en-US" smtClean="0"/>
-              <a:t>2021-07-15</a:t>
+              <a:t>2021-07-20</a:t>
             </a:fld>
             <a:endParaRPr lang="ko-KR" altLang="en-US"/>
           </a:p>
@@ -6214,7 +6214,7 @@
           <a:p>
             <a:fld id="{EBBBFF2D-8249-458D-9364-073002D4312C}" type="datetimeFigureOut">
               <a:rPr lang="ko-KR" altLang="en-US" smtClean="0"/>
-              <a:t>2021-07-15</a:t>
+              <a:t>2021-07-20</a:t>
             </a:fld>
             <a:endParaRPr lang="ko-KR" altLang="en-US"/>
           </a:p>
@@ -6402,7 +6402,7 @@
           <a:p>
             <a:fld id="{EBBBFF2D-8249-458D-9364-073002D4312C}" type="datetimeFigureOut">
               <a:rPr lang="ko-KR" altLang="en-US" smtClean="0"/>
-              <a:t>2021-07-15</a:t>
+              <a:t>2021-07-20</a:t>
             </a:fld>
             <a:endParaRPr lang="ko-KR" altLang="en-US"/>
           </a:p>
@@ -7111,7 +7111,7 @@
           <a:p>
             <a:fld id="{7C447AE5-4366-4128-A7A5-38C8B0345485}" type="datetimeFigureOut">
               <a:rPr lang="ko-KR" altLang="en-US" smtClean="0"/>
-              <a:t>2021-07-15</a:t>
+              <a:t>2021-07-20</a:t>
             </a:fld>
             <a:endParaRPr lang="ko-KR" altLang="en-US"/>
           </a:p>
@@ -11058,7 +11058,7 @@
                 <a:ea typeface="나눔스퀘어 Bold" panose="020B0600000101010101" pitchFamily="50" charset="-127"/>
                 <a:cs typeface="Arial" panose="020B0604020202020204" pitchFamily="34" charset="0"/>
               </a:rPr>
-              <a:t>28 / 30 * 100(%) = 93%</a:t>
+              <a:t>27 / 30 * 100(%) = 93%</a:t>
             </a:r>
           </a:p>
           <a:p>
@@ -11073,6 +11073,38 @@
               <a:buFont typeface="Arial" panose="020B0604020202020204" pitchFamily="34" charset="0"/>
               <a:buChar char="•"/>
             </a:pPr>
+            <a:r>
+              <a:rPr lang="en-US" altLang="ko-KR" dirty="0" err="1">
+                <a:latin typeface="나눔스퀘어 Bold" panose="020B0600000101010101" pitchFamily="50" charset="-127"/>
+                <a:ea typeface="나눔스퀘어 Bold" panose="020B0600000101010101" pitchFamily="50" charset="-127"/>
+                <a:cs typeface="Arial" panose="020B0604020202020204" pitchFamily="34" charset="0"/>
+              </a:rPr>
+              <a:t>MovieLens</a:t>
+            </a:r>
+            <a:r>
+              <a:rPr lang="ko-KR" altLang="en-US" dirty="0">
+                <a:latin typeface="나눔스퀘어 Bold" panose="020B0600000101010101" pitchFamily="50" charset="-127"/>
+                <a:ea typeface="나눔스퀘어 Bold" panose="020B0600000101010101" pitchFamily="50" charset="-127"/>
+                <a:cs typeface="Arial" panose="020B0604020202020204" pitchFamily="34" charset="0"/>
+              </a:rPr>
+              <a:t>의 </a:t>
+            </a:r>
+            <a:r>
+              <a:rPr lang="en-US" altLang="ko-KR" dirty="0">
+                <a:latin typeface="나눔스퀘어 Bold" panose="020B0600000101010101" pitchFamily="50" charset="-127"/>
+                <a:ea typeface="나눔스퀘어 Bold" panose="020B0600000101010101" pitchFamily="50" charset="-127"/>
+                <a:cs typeface="Arial" panose="020B0604020202020204" pitchFamily="34" charset="0"/>
+              </a:rPr>
+              <a:t>Parasite</a:t>
+            </a:r>
+            <a:r>
+              <a:rPr lang="ko-KR" altLang="en-US" dirty="0">
+                <a:latin typeface="나눔스퀘어 Bold" panose="020B0600000101010101" pitchFamily="50" charset="-127"/>
+                <a:ea typeface="나눔스퀘어 Bold" panose="020B0600000101010101" pitchFamily="50" charset="-127"/>
+                <a:cs typeface="Arial" panose="020B0604020202020204" pitchFamily="34" charset="0"/>
+              </a:rPr>
+              <a:t>는 예전 영화</a:t>
+            </a:r>
             <a:endParaRPr lang="en-US" altLang="ko-KR" dirty="0">
               <a:latin typeface="나눔스퀘어 Bold" panose="020B0600000101010101" pitchFamily="50" charset="-127"/>
               <a:ea typeface="나눔스퀘어 Bold" panose="020B0600000101010101" pitchFamily="50" charset="-127"/>
